--- a/statische-code-analyse-mit-codenarc/codenarc-presentation-camelcasecon-2011.pptx
+++ b/statische-code-analyse-mit-codenarc/codenarc-presentation-camelcasecon-2011.pptx
@@ -15987,7 +15987,7 @@
         <p:spPr>
           <a:xfrm>
             <a:off x="2195736" y="4901098"/>
-            <a:ext cx="4752528" cy="400110"/>
+            <a:ext cx="4752528" cy="1015663"/>
           </a:xfrm>
           <a:prstGeom prst="rect">
             <a:avLst/>
@@ -16011,7 +16011,33 @@
             </a:r>
             <a:r>
               <a:rPr lang="de-DE" sz="2000" b="1" dirty="0" smtClean="0"/>
-              <a:t>2011, Stefan Glase</a:t>
+              <a:t>2011</a:t>
+            </a:r>
+          </a:p>
+          <a:p>
+            <a:pPr algn="ctr"/>
+            <a:r>
+              <a:rPr lang="de-DE" sz="2000" b="1" dirty="0" smtClean="0"/>
+              <a:t>Vortrag von</a:t>
+            </a:r>
+            <a:r>
+              <a:rPr lang="de-DE" sz="2000" b="1" dirty="0" smtClean="0"/>
+              <a:t> </a:t>
+            </a:r>
+            <a:r>
+              <a:rPr lang="de-DE" sz="2000" b="1" dirty="0" smtClean="0"/>
+              <a:t>Stefan </a:t>
+            </a:r>
+            <a:r>
+              <a:rPr lang="de-DE" sz="2000" b="1" dirty="0" smtClean="0"/>
+              <a:t>Glase</a:t>
+            </a:r>
+          </a:p>
+          <a:p>
+            <a:pPr algn="ctr"/>
+            <a:r>
+              <a:rPr lang="de-DE" sz="2000" b="1" dirty="0" smtClean="0"/>
+              <a:t>am 07.09.2011</a:t>
             </a:r>
             <a:endParaRPr lang="de-DE" sz="2000" b="1" dirty="0"/>
           </a:p>
@@ -16653,11 +16679,7 @@
           <a:p>
             <a:r>
               <a:rPr lang="de-DE" dirty="0" smtClean="0"/>
-              <a:t>264 </a:t>
-            </a:r>
-            <a:r>
-              <a:rPr lang="de-DE" dirty="0" smtClean="0"/>
-              <a:t>Regeln… und die Zahl ist stetig wachsend!</a:t>
+              <a:t>264 Regeln… und die Zahl ist stetig wachsend!</a:t>
             </a:r>
             <a:endParaRPr lang="de-DE" dirty="0"/>
           </a:p>
@@ -18614,7 +18636,11 @@
           <a:p>
             <a:r>
               <a:rPr lang="de-DE" dirty="0" smtClean="0"/>
-              <a:t>Stefan Glase</a:t>
+              <a:t>Stefan </a:t>
+            </a:r>
+            <a:r>
+              <a:rPr lang="de-DE" dirty="0" smtClean="0"/>
+              <a:t>Glase, OPITZ CONSULTING</a:t>
             </a:r>
             <a:endParaRPr lang="de-DE" dirty="0"/>
           </a:p>
@@ -20068,7 +20094,12 @@
             <p:ph idx="1"/>
           </p:nvPr>
         </p:nvSpPr>
-        <p:spPr/>
+        <p:spPr>
+          <a:xfrm>
+            <a:off x="360000" y="1367999"/>
+            <a:ext cx="8424000" cy="2565057"/>
+          </a:xfrm>
+        </p:spPr>
         <p:txBody>
           <a:bodyPr/>
           <a:lstStyle/>
@@ -20119,19 +20150,33 @@
             </a:r>
             <a:r>
               <a:rPr lang="de-DE" dirty="0" smtClean="0"/>
-              <a:t> 0.13</a:t>
+              <a:t> </a:t>
+            </a:r>
+            <a:r>
+              <a:rPr lang="de-DE" dirty="0" smtClean="0"/>
+              <a:t>0.13</a:t>
             </a:r>
           </a:p>
           <a:p>
             <a:pPr lvl="1"/>
-            <a:endParaRPr lang="de-DE" dirty="0" smtClean="0"/>
-          </a:p>
-          <a:p>
-            <a:pPr lvl="1"/>
-            <a:endParaRPr lang="de-DE" dirty="0" smtClean="0"/>
-          </a:p>
-          <a:p>
-            <a:pPr lvl="1"/>
+            <a:r>
+              <a:rPr lang="de-DE" dirty="0" smtClean="0">
+                <a:hlinkClick r:id="rId2"/>
+              </a:rPr>
+              <a:t>http</a:t>
+            </a:r>
+            <a:r>
+              <a:rPr lang="de-DE" dirty="0" smtClean="0">
+                <a:hlinkClick r:id="rId2"/>
+              </a:rPr>
+              <a:t>://</a:t>
+            </a:r>
+            <a:r>
+              <a:rPr lang="de-DE" dirty="0" smtClean="0">
+                <a:hlinkClick r:id="rId2"/>
+              </a:rPr>
+              <a:t>www.gradle.org/code_quality_plugin.html</a:t>
+            </a:r>
             <a:endParaRPr lang="de-DE" dirty="0" smtClean="0"/>
           </a:p>
           <a:p>
@@ -20171,27 +20216,12 @@
             </a:r>
             <a:r>
               <a:rPr lang="de-DE" dirty="0" smtClean="0"/>
-              <a:t> für Groovy-Code</a:t>
-            </a:r>
-          </a:p>
-          <a:p>
-            <a:endParaRPr lang="de-DE" dirty="0" smtClean="0"/>
-          </a:p>
-          <a:p>
-            <a:endParaRPr lang="de-DE" dirty="0" smtClean="0"/>
-          </a:p>
-          <a:p>
+              <a:t> für </a:t>
+            </a:r>
             <a:r>
               <a:rPr lang="de-DE" dirty="0" smtClean="0"/>
-              <a:t>Mehr dazu: </a:t>
-            </a:r>
-            <a:r>
-              <a:rPr lang="de-DE" dirty="0" smtClean="0">
-                <a:hlinkClick r:id="rId2"/>
-              </a:rPr>
-              <a:t>http://www.gradle.org/code_quality_plugin.html</a:t>
-            </a:r>
-            <a:endParaRPr lang="de-DE" dirty="0"/>
+              <a:t>Groovy-Code</a:t>
+            </a:r>
           </a:p>
         </p:txBody>
       </p:sp>
@@ -20212,8 +20242,8 @@
         </p:blipFill>
         <p:spPr bwMode="auto">
           <a:xfrm>
-            <a:off x="5292080" y="2518322"/>
-            <a:ext cx="3456384" cy="2350838"/>
+            <a:off x="6228184" y="2060848"/>
+            <a:ext cx="2126376" cy="1446242"/>
           </a:xfrm>
           <a:prstGeom prst="rect">
             <a:avLst/>
@@ -20227,6 +20257,419 @@
           </a:ln>
         </p:spPr>
       </p:pic>
+      <p:pic>
+        <p:nvPicPr>
+          <p:cNvPr id="1027" name="Picture 3"/>
+          <p:cNvPicPr>
+            <a:picLocks noChangeAspect="1" noChangeArrowheads="1"/>
+          </p:cNvPicPr>
+          <p:nvPr/>
+        </p:nvPicPr>
+        <p:blipFill>
+          <a:blip r:embed="rId4" cstate="print"/>
+          <a:srcRect/>
+          <a:stretch>
+            <a:fillRect/>
+          </a:stretch>
+        </p:blipFill>
+        <p:spPr bwMode="auto">
+          <a:xfrm>
+            <a:off x="323528" y="4509120"/>
+            <a:ext cx="2016224" cy="1392077"/>
+          </a:xfrm>
+          <a:prstGeom prst="rect">
+            <a:avLst/>
+          </a:prstGeom>
+          <a:noFill/>
+          <a:ln w="9525">
+            <a:noFill/>
+            <a:miter lim="800000"/>
+            <a:headEnd/>
+            <a:tailEnd/>
+          </a:ln>
+        </p:spPr>
+      </p:pic>
+      <p:sp>
+        <p:nvSpPr>
+          <p:cNvPr id="7" name="Inhaltsplatzhalter 4"/>
+          <p:cNvSpPr txBox="1">
+            <a:spLocks/>
+          </p:cNvSpPr>
+          <p:nvPr/>
+        </p:nvSpPr>
+        <p:spPr>
+          <a:xfrm>
+            <a:off x="2483768" y="4149080"/>
+            <a:ext cx="6307304" cy="2232248"/>
+          </a:xfrm>
+          <a:prstGeom prst="rect">
+            <a:avLst/>
+          </a:prstGeom>
+        </p:spPr>
+        <p:txBody>
+          <a:bodyPr vert="horz" lIns="0" tIns="0" rIns="0" bIns="0" rtlCol="0">
+            <a:noAutofit/>
+          </a:bodyPr>
+          <a:lstStyle/>
+          <a:p>
+            <a:pPr marL="355600" marR="0" lvl="0" indent="-355600" algn="l" defTabSz="914400" rtl="0" eaLnBrk="1" fontAlgn="auto" latinLnBrk="0" hangingPunct="1">
+              <a:lnSpc>
+                <a:spcPct val="100000"/>
+              </a:lnSpc>
+              <a:spcBef>
+                <a:spcPts val="1200"/>
+              </a:spcBef>
+              <a:spcAft>
+                <a:spcPts val="0"/>
+              </a:spcAft>
+              <a:buClr>
+                <a:schemeClr val="tx1"/>
+              </a:buClr>
+              <a:buSzTx/>
+              <a:buFont typeface="Wingdings" pitchFamily="2" charset="2"/>
+              <a:buChar char=""/>
+              <a:tabLst/>
+              <a:defRPr/>
+            </a:pPr>
+            <a:endParaRPr kumimoji="0" lang="de-DE" sz="2200" b="1" i="0" u="none" strike="noStrike" kern="1200" cap="none" spc="0" normalizeH="0" baseline="0" noProof="0" dirty="0" smtClean="0">
+              <a:ln>
+                <a:noFill/>
+              </a:ln>
+              <a:solidFill>
+                <a:schemeClr val="tx2"/>
+              </a:solidFill>
+              <a:effectLst/>
+              <a:uLnTx/>
+              <a:uFillTx/>
+              <a:latin typeface="+mn-lt"/>
+              <a:ea typeface="+mn-ea"/>
+              <a:cs typeface="+mn-cs"/>
+            </a:endParaRPr>
+          </a:p>
+          <a:p>
+            <a:pPr marL="355600" marR="0" lvl="0" indent="-355600" algn="l" defTabSz="914400" rtl="0" eaLnBrk="1" fontAlgn="auto" latinLnBrk="0" hangingPunct="1">
+              <a:lnSpc>
+                <a:spcPct val="100000"/>
+              </a:lnSpc>
+              <a:spcBef>
+                <a:spcPts val="1200"/>
+              </a:spcBef>
+              <a:spcAft>
+                <a:spcPts val="0"/>
+              </a:spcAft>
+              <a:buClr>
+                <a:schemeClr val="tx1"/>
+              </a:buClr>
+              <a:buSzTx/>
+              <a:buFont typeface="Wingdings" pitchFamily="2" charset="2"/>
+              <a:buChar char=""/>
+              <a:tabLst/>
+              <a:defRPr/>
+            </a:pPr>
+            <a:r>
+              <a:rPr kumimoji="0" lang="de-DE" sz="2200" b="1" i="0" u="none" strike="noStrike" kern="1200" cap="none" spc="0" normalizeH="0" baseline="0" noProof="0" dirty="0" err="1" smtClean="0">
+                <a:ln>
+                  <a:noFill/>
+                </a:ln>
+                <a:solidFill>
+                  <a:schemeClr val="tx2"/>
+                </a:solidFill>
+                <a:effectLst/>
+                <a:uLnTx/>
+                <a:uFillTx/>
+                <a:latin typeface="+mn-lt"/>
+                <a:ea typeface="+mn-ea"/>
+                <a:cs typeface="+mn-cs"/>
+              </a:rPr>
+              <a:t>CodeNarc</a:t>
+            </a:r>
+            <a:r>
+              <a:rPr kumimoji="0" lang="de-DE" sz="2200" b="1" i="0" u="none" strike="noStrike" kern="1200" cap="none" spc="0" normalizeH="0" baseline="0" noProof="0" dirty="0" smtClean="0">
+                <a:ln>
+                  <a:noFill/>
+                </a:ln>
+                <a:solidFill>
+                  <a:schemeClr val="tx2"/>
+                </a:solidFill>
+                <a:effectLst/>
+                <a:uLnTx/>
+                <a:uFillTx/>
+                <a:latin typeface="+mn-lt"/>
+                <a:ea typeface="+mn-ea"/>
+                <a:cs typeface="+mn-cs"/>
+              </a:rPr>
+              <a:t> </a:t>
+            </a:r>
+            <a:r>
+              <a:rPr kumimoji="0" lang="de-DE" sz="2200" b="1" i="0" u="none" strike="noStrike" kern="1200" cap="none" spc="0" normalizeH="0" baseline="0" noProof="0" dirty="0" err="1" smtClean="0">
+                <a:ln>
+                  <a:noFill/>
+                </a:ln>
+                <a:solidFill>
+                  <a:schemeClr val="tx2"/>
+                </a:solidFill>
+                <a:effectLst/>
+                <a:uLnTx/>
+                <a:uFillTx/>
+                <a:latin typeface="+mn-lt"/>
+                <a:ea typeface="+mn-ea"/>
+                <a:cs typeface="+mn-cs"/>
+              </a:rPr>
+              <a:t>Plugin</a:t>
+            </a:r>
+            <a:r>
+              <a:rPr kumimoji="0" lang="de-DE" sz="2200" b="1" i="0" u="none" strike="noStrike" kern="1200" cap="none" spc="0" normalizeH="0" baseline="0" noProof="0" dirty="0" smtClean="0">
+                <a:ln>
+                  <a:noFill/>
+                </a:ln>
+                <a:solidFill>
+                  <a:schemeClr val="tx2"/>
+                </a:solidFill>
+                <a:effectLst/>
+                <a:uLnTx/>
+                <a:uFillTx/>
+                <a:latin typeface="+mn-lt"/>
+                <a:ea typeface="+mn-ea"/>
+                <a:cs typeface="+mn-cs"/>
+              </a:rPr>
+              <a:t> als eigenständiges </a:t>
+            </a:r>
+            <a:r>
+              <a:rPr kumimoji="0" lang="de-DE" sz="2200" b="1" i="0" u="none" strike="noStrike" kern="1200" cap="none" spc="0" normalizeH="0" baseline="0" noProof="0" dirty="0" err="1" smtClean="0">
+                <a:ln>
+                  <a:noFill/>
+                </a:ln>
+                <a:solidFill>
+                  <a:schemeClr val="tx2"/>
+                </a:solidFill>
+                <a:effectLst/>
+                <a:uLnTx/>
+                <a:uFillTx/>
+                <a:latin typeface="+mn-lt"/>
+                <a:ea typeface="+mn-ea"/>
+                <a:cs typeface="+mn-cs"/>
+              </a:rPr>
+              <a:t>Plugin</a:t>
+            </a:r>
+            <a:endParaRPr kumimoji="0" lang="de-DE" sz="2200" b="1" i="0" u="none" strike="noStrike" kern="1200" cap="none" spc="0" normalizeH="0" baseline="0" noProof="0" dirty="0" smtClean="0">
+              <a:ln>
+                <a:noFill/>
+              </a:ln>
+              <a:solidFill>
+                <a:schemeClr val="tx2"/>
+              </a:solidFill>
+              <a:effectLst/>
+              <a:uLnTx/>
+              <a:uFillTx/>
+              <a:latin typeface="+mn-lt"/>
+              <a:ea typeface="+mn-ea"/>
+              <a:cs typeface="+mn-cs"/>
+            </a:endParaRPr>
+          </a:p>
+          <a:p>
+            <a:pPr marL="627063" marR="0" lvl="1" indent="-271463" algn="l" defTabSz="914400" rtl="0" eaLnBrk="1" fontAlgn="auto" latinLnBrk="0" hangingPunct="1">
+              <a:lnSpc>
+                <a:spcPct val="100000"/>
+              </a:lnSpc>
+              <a:spcBef>
+                <a:spcPts val="300"/>
+              </a:spcBef>
+              <a:spcAft>
+                <a:spcPts val="0"/>
+              </a:spcAft>
+              <a:buClr>
+                <a:schemeClr val="tx1"/>
+              </a:buClr>
+              <a:buSzTx/>
+              <a:buFont typeface="Wingdings" pitchFamily="2" charset="2"/>
+              <a:buChar char=""/>
+              <a:tabLst/>
+              <a:defRPr/>
+            </a:pPr>
+            <a:r>
+              <a:rPr kumimoji="0" lang="de-DE" sz="1800" b="0" i="0" u="none" strike="noStrike" kern="1200" cap="none" spc="0" normalizeH="0" baseline="0" noProof="0" dirty="0" smtClean="0">
+                <a:ln>
+                  <a:noFill/>
+                </a:ln>
+                <a:solidFill>
+                  <a:schemeClr val="tx2"/>
+                </a:solidFill>
+                <a:effectLst/>
+                <a:uLnTx/>
+                <a:uFillTx/>
+                <a:latin typeface="+mn-lt"/>
+                <a:ea typeface="+mn-ea"/>
+                <a:cs typeface="+mn-cs"/>
+              </a:rPr>
+              <a:t>Version von </a:t>
+            </a:r>
+            <a:r>
+              <a:rPr kumimoji="0" lang="de-DE" sz="1800" b="0" i="0" u="none" strike="noStrike" kern="1200" cap="none" spc="0" normalizeH="0" baseline="0" noProof="0" dirty="0" err="1" smtClean="0">
+                <a:ln>
+                  <a:noFill/>
+                </a:ln>
+                <a:solidFill>
+                  <a:schemeClr val="tx2"/>
+                </a:solidFill>
+                <a:effectLst/>
+                <a:uLnTx/>
+                <a:uFillTx/>
+                <a:latin typeface="+mn-lt"/>
+                <a:ea typeface="+mn-ea"/>
+                <a:cs typeface="+mn-cs"/>
+              </a:rPr>
+              <a:t>CodeNarc</a:t>
+            </a:r>
+            <a:r>
+              <a:rPr kumimoji="0" lang="de-DE" sz="1800" b="0" i="0" u="none" strike="noStrike" kern="1200" cap="none" spc="0" normalizeH="0" baseline="0" noProof="0" dirty="0" smtClean="0">
+                <a:ln>
+                  <a:noFill/>
+                </a:ln>
+                <a:solidFill>
+                  <a:schemeClr val="tx2"/>
+                </a:solidFill>
+                <a:effectLst/>
+                <a:uLnTx/>
+                <a:uFillTx/>
+                <a:latin typeface="+mn-lt"/>
+                <a:ea typeface="+mn-ea"/>
+                <a:cs typeface="+mn-cs"/>
+              </a:rPr>
+              <a:t> ist frei konfigurierbar</a:t>
+            </a:r>
+          </a:p>
+          <a:p>
+            <a:pPr marL="627063" marR="0" lvl="1" indent="-271463" algn="l" defTabSz="914400" rtl="0" eaLnBrk="1" fontAlgn="auto" latinLnBrk="0" hangingPunct="1">
+              <a:lnSpc>
+                <a:spcPct val="100000"/>
+              </a:lnSpc>
+              <a:spcBef>
+                <a:spcPts val="300"/>
+              </a:spcBef>
+              <a:spcAft>
+                <a:spcPts val="0"/>
+              </a:spcAft>
+              <a:buClr>
+                <a:schemeClr val="tx1"/>
+              </a:buClr>
+              <a:buSzTx/>
+              <a:buFont typeface="Wingdings" pitchFamily="2" charset="2"/>
+              <a:buChar char=""/>
+              <a:tabLst/>
+              <a:defRPr/>
+            </a:pPr>
+            <a:r>
+              <a:rPr kumimoji="0" lang="de-DE" sz="1800" b="0" i="0" u="none" strike="noStrike" kern="1200" cap="none" spc="0" normalizeH="0" baseline="0" noProof="0" dirty="0" smtClean="0">
+                <a:ln>
+                  <a:noFill/>
+                </a:ln>
+                <a:solidFill>
+                  <a:schemeClr val="tx2"/>
+                </a:solidFill>
+                <a:effectLst/>
+                <a:uLnTx/>
+                <a:uFillTx/>
+                <a:latin typeface="+mn-lt"/>
+                <a:ea typeface="+mn-ea"/>
+                <a:cs typeface="+mn-cs"/>
+                <a:hlinkClick r:id="rId5"/>
+              </a:rPr>
+              <a:t>http://evgeny-goldin.com/wiki/Gradle-CodeNarc-plugin</a:t>
+            </a:r>
+            <a:endParaRPr kumimoji="0" lang="de-DE" sz="1800" b="0" i="0" u="none" strike="noStrike" kern="1200" cap="none" spc="0" normalizeH="0" baseline="0" noProof="0" dirty="0">
+              <a:ln>
+                <a:noFill/>
+              </a:ln>
+              <a:solidFill>
+                <a:schemeClr val="tx2"/>
+              </a:solidFill>
+              <a:effectLst/>
+              <a:uLnTx/>
+              <a:uFillTx/>
+              <a:latin typeface="+mn-lt"/>
+              <a:ea typeface="+mn-ea"/>
+              <a:cs typeface="+mn-cs"/>
+            </a:endParaRPr>
+          </a:p>
+        </p:txBody>
+      </p:sp>
+      <p:sp>
+        <p:nvSpPr>
+          <p:cNvPr id="8" name="Rechteck 7"/>
+          <p:cNvSpPr/>
+          <p:nvPr/>
+        </p:nvSpPr>
+        <p:spPr>
+          <a:xfrm>
+            <a:off x="3989148" y="3429000"/>
+            <a:ext cx="1165704" cy="923330"/>
+          </a:xfrm>
+          <a:prstGeom prst="rect">
+            <a:avLst/>
+          </a:prstGeom>
+          <a:noFill/>
+        </p:spPr>
+        <p:txBody>
+          <a:bodyPr wrap="none" lIns="91440" tIns="45720" rIns="91440" bIns="45720">
+            <a:spAutoFit/>
+          </a:bodyPr>
+          <a:lstStyle/>
+          <a:p>
+            <a:pPr algn="ctr"/>
+            <a:r>
+              <a:rPr lang="de-DE" sz="5400" b="1" cap="none" spc="50" dirty="0" smtClean="0">
+                <a:ln w="13500">
+                  <a:solidFill>
+                    <a:schemeClr val="accent1">
+                      <a:shade val="2500"/>
+                      <a:alpha val="6500"/>
+                    </a:schemeClr>
+                  </a:solidFill>
+                  <a:prstDash val="solid"/>
+                </a:ln>
+                <a:solidFill>
+                  <a:schemeClr val="accent1">
+                    <a:tint val="3000"/>
+                    <a:alpha val="95000"/>
+                  </a:schemeClr>
+                </a:solidFill>
+                <a:effectLst>
+                  <a:innerShdw blurRad="50900" dist="38500" dir="13500000">
+                    <a:srgbClr val="000000">
+                      <a:alpha val="60000"/>
+                    </a:srgbClr>
+                  </a:innerShdw>
+                </a:effectLst>
+              </a:rPr>
+              <a:t>vs.</a:t>
+            </a:r>
+            <a:endParaRPr lang="de-DE" sz="5400" b="1" cap="none" spc="50" dirty="0">
+              <a:ln w="13500">
+                <a:solidFill>
+                  <a:schemeClr val="accent1">
+                    <a:shade val="2500"/>
+                    <a:alpha val="6500"/>
+                  </a:schemeClr>
+                </a:solidFill>
+                <a:prstDash val="solid"/>
+              </a:ln>
+              <a:solidFill>
+                <a:schemeClr val="accent1">
+                  <a:tint val="3000"/>
+                  <a:alpha val="95000"/>
+                </a:schemeClr>
+              </a:solidFill>
+              <a:effectLst>
+                <a:innerShdw blurRad="50900" dist="38500" dir="13500000">
+                  <a:srgbClr val="000000">
+                    <a:alpha val="60000"/>
+                  </a:srgbClr>
+                </a:innerShdw>
+              </a:effectLst>
+            </a:endParaRPr>
+          </a:p>
+        </p:txBody>
+      </p:sp>
     </p:spTree>
   </p:cSld>
   <p:clrMapOvr>
@@ -21713,7 +22156,17 @@
               <a:rPr lang="de-DE" sz="2400" dirty="0" smtClean="0">
                 <a:hlinkClick r:id="rId2"/>
               </a:rPr>
-              <a:t>http://codenarc.sourceforge.net/</a:t>
+              <a:t>http://</a:t>
+            </a:r>
+            <a:r>
+              <a:rPr lang="de-DE" sz="2400" dirty="0" smtClean="0">
+                <a:hlinkClick r:id="rId2"/>
+              </a:rPr>
+              <a:t>codenarc.sourceforge.net</a:t>
+            </a:r>
+            <a:r>
+              <a:rPr lang="de-DE" sz="2400" dirty="0" smtClean="0"/>
+              <a:t> </a:t>
             </a:r>
             <a:endParaRPr lang="de-DE" sz="2400" dirty="0" smtClean="0"/>
           </a:p>
@@ -21727,7 +22180,17 @@
               <a:rPr lang="de-DE" sz="2400" dirty="0" smtClean="0">
                 <a:hlinkClick r:id="rId3"/>
               </a:rPr>
-              <a:t>http://meetcodenarc.appspot.com/</a:t>
+              <a:t>http://</a:t>
+            </a:r>
+            <a:r>
+              <a:rPr lang="de-DE" sz="2400" dirty="0" smtClean="0">
+                <a:hlinkClick r:id="rId3"/>
+              </a:rPr>
+              <a:t>meetcodenarc.appspot.com</a:t>
+            </a:r>
+            <a:r>
+              <a:rPr lang="de-DE" sz="2400" dirty="0" smtClean="0"/>
+              <a:t> </a:t>
             </a:r>
             <a:endParaRPr lang="de-DE" sz="2400" dirty="0" smtClean="0"/>
           </a:p>
@@ -21774,13 +22237,7 @@
               <a:rPr lang="de-DE" sz="2400" dirty="0" smtClean="0">
                 <a:hlinkClick r:id="rId5"/>
               </a:rPr>
-              <a:t>https://</a:t>
-            </a:r>
-            <a:r>
-              <a:rPr lang="de-DE" sz="2400" dirty="0" smtClean="0">
-                <a:hlinkClick r:id="rId5"/>
-              </a:rPr>
-              <a:t>github.com/codescape/presentations</a:t>
+              <a:t>https://github.com/codescape/presentations</a:t>
             </a:r>
             <a:endParaRPr lang="de-DE" sz="2400" dirty="0" smtClean="0"/>
           </a:p>
@@ -21832,7 +22289,7 @@
     </p:spTree>
     <p:extLst>
       <p:ext uri="{BB962C8B-B14F-4D97-AF65-F5344CB8AC3E}">
-        <p14:creationId xmlns:p14="http://schemas.microsoft.com/office/powerpoint/2010/main" xmlns="" val="1364891894"/>
+        <p14:creationId xmlns="" xmlns:p14="http://schemas.microsoft.com/office/powerpoint/2010/main" val="1364891894"/>
       </p:ext>
     </p:extLst>
   </p:cSld>
@@ -22775,13 +23232,8 @@
           <a:p>
             <a:r>
               <a:rPr lang="de-DE" dirty="0" smtClean="0"/>
-              <a:t>Aktuelle Version </a:t>
-            </a:r>
-            <a:r>
-              <a:rPr lang="de-DE" dirty="0" smtClean="0"/>
-              <a:t>0.15</a:t>
-            </a:r>
-            <a:endParaRPr lang="de-DE" dirty="0" smtClean="0"/>
+              <a:t>Aktuelle Version 0.15</a:t>
+            </a:r>
           </a:p>
           <a:p>
             <a:r>
@@ -22812,11 +23264,7 @@
           <a:p>
             <a:r>
               <a:rPr lang="de-DE" dirty="0" smtClean="0"/>
-              <a:t>264 </a:t>
-            </a:r>
-            <a:r>
-              <a:rPr lang="de-DE" dirty="0" smtClean="0"/>
-              <a:t>Regeln in kategorisierten Regelwerken</a:t>
+              <a:t>264 Regeln in kategorisierten Regelwerken</a:t>
             </a:r>
           </a:p>
           <a:p>
@@ -24164,12 +24612,15 @@
 </file>
 
 <file path=customXml/item1.xml><?xml version="1.0" encoding="utf-8"?>
-<?mso-contentType ?>
-<FormTemplates xmlns="http://schemas.microsoft.com/sharepoint/v3/contenttype/forms">
-  <Display>DocumentLibraryForm</Display>
-  <Edit>DocumentLibraryForm</Edit>
-  <New>DocumentLibraryForm</New>
-</FormTemplates>
+<p:properties xmlns:p="http://schemas.microsoft.com/office/2006/metadata/properties" xmlns:xsi="http://www.w3.org/2001/XMLSchema-instance">
+  <documentManagement>
+    <_dlc_DocId xmlns="8cc9f148-63af-4ae4-b4c0-3a33ca8129b3">DOCID-7-65</_dlc_DocId>
+    <_dlc_DocIdUrl xmlns="8cc9f148-63af-4ae4-b4c0-3a33ca8129b3">
+      <Url>https://portal.opitz-consulting.de/_layouts/DocIdRedir.aspx?ID=DOCID-7-65</Url>
+      <Description>DOCID-7-65</Description>
+    </_dlc_DocIdUrl>
+  </documentManagement>
+</p:properties>
 </file>
 
 <file path=customXml/item2.xml><?xml version="1.0" encoding="utf-8"?>
@@ -24219,15 +24670,12 @@
 </file>
 
 <file path=customXml/item3.xml><?xml version="1.0" encoding="utf-8"?>
-<p:properties xmlns:p="http://schemas.microsoft.com/office/2006/metadata/properties" xmlns:xsi="http://www.w3.org/2001/XMLSchema-instance">
-  <documentManagement>
-    <_dlc_DocId xmlns="8cc9f148-63af-4ae4-b4c0-3a33ca8129b3">DOCID-7-65</_dlc_DocId>
-    <_dlc_DocIdUrl xmlns="8cc9f148-63af-4ae4-b4c0-3a33ca8129b3">
-      <Url>https://portal.opitz-consulting.de/_layouts/DocIdRedir.aspx?ID=DOCID-7-65</Url>
-      <Description>DOCID-7-65</Description>
-    </_dlc_DocIdUrl>
-  </documentManagement>
-</p:properties>
+<?mso-contentType ?>
+<FormTemplates xmlns="http://schemas.microsoft.com/sharepoint/v3/contenttype/forms">
+  <Display>DocumentLibraryForm</Display>
+  <Edit>DocumentLibraryForm</Edit>
+  <New>DocumentLibraryForm</New>
+</FormTemplates>
 </file>
 
 <file path=customXml/item4.xml><?xml version="1.0" encoding="utf-8"?>
@@ -24376,9 +24824,10 @@
 </file>
 
 <file path=customXml/itemProps1.xml><?xml version="1.0" encoding="utf-8"?>
-<ds:datastoreItem xmlns:ds="http://schemas.openxmlformats.org/officeDocument/2006/customXml" ds:itemID="{7E7A0F45-7BDE-4AA7-A1BB-E146938E8111}">
+<ds:datastoreItem xmlns:ds="http://schemas.openxmlformats.org/officeDocument/2006/customXml" ds:itemID="{AF7E4967-43BC-4F71-AEEC-BDE09349FE60}">
   <ds:schemaRefs>
-    <ds:schemaRef ds:uri="http://schemas.microsoft.com/sharepoint/v3/contenttype/forms"/>
+    <ds:schemaRef ds:uri="http://schemas.microsoft.com/office/2006/metadata/properties"/>
+    <ds:schemaRef ds:uri="8cc9f148-63af-4ae4-b4c0-3a33ca8129b3"/>
   </ds:schemaRefs>
 </ds:datastoreItem>
 </file>
@@ -24392,10 +24841,9 @@
 </file>
 
 <file path=customXml/itemProps3.xml><?xml version="1.0" encoding="utf-8"?>
-<ds:datastoreItem xmlns:ds="http://schemas.openxmlformats.org/officeDocument/2006/customXml" ds:itemID="{AF7E4967-43BC-4F71-AEEC-BDE09349FE60}">
+<ds:datastoreItem xmlns:ds="http://schemas.openxmlformats.org/officeDocument/2006/customXml" ds:itemID="{7E7A0F45-7BDE-4AA7-A1BB-E146938E8111}">
   <ds:schemaRefs>
-    <ds:schemaRef ds:uri="http://schemas.microsoft.com/office/2006/metadata/properties"/>
-    <ds:schemaRef ds:uri="8cc9f148-63af-4ae4-b4c0-3a33ca8129b3"/>
+    <ds:schemaRef ds:uri="http://schemas.microsoft.com/sharepoint/v3/contenttype/forms"/>
   </ds:schemaRefs>
 </ds:datastoreItem>
 </file>
